--- a/Clase 3/clase4.pptx
+++ b/Clase 3/clase4.pptx
@@ -246,7 +246,7 @@
           <a:p>
             <a:fld id="{56EFBD41-8F30-499F-8836-9A8B592EDCF2}" type="datetimeFigureOut">
               <a:rPr lang="es-CR" smtClean="0"/>
-              <a:t>30/5/2018</a:t>
+              <a:t>21/6/2018</a:t>
             </a:fld>
             <a:endParaRPr lang="es-CR"/>
           </a:p>
@@ -411,7 +411,7 @@
           <a:p>
             <a:fld id="{701C4BE3-AD0D-43FB-97B9-68E31F3243AC}" type="datetimeFigureOut">
               <a:rPr lang="es-CR" smtClean="0"/>
-              <a:t>30/5/2018</a:t>
+              <a:t>21/6/2018</a:t>
             </a:fld>
             <a:endParaRPr lang="es-CR"/>
           </a:p>
@@ -821,7 +821,7 @@
           <a:p>
             <a:fld id="{EABE8AA6-12A8-4B45-AB18-A83908A3A2E6}" type="datetimeFigureOut">
               <a:rPr lang="es-ES" smtClean="0"/>
-              <a:t>30/05/2018</a:t>
+              <a:t>21/06/2018</a:t>
             </a:fld>
             <a:endParaRPr lang="es-ES"/>
           </a:p>
@@ -991,7 +991,7 @@
           <a:p>
             <a:fld id="{EABE8AA6-12A8-4B45-AB18-A83908A3A2E6}" type="datetimeFigureOut">
               <a:rPr lang="es-ES" smtClean="0"/>
-              <a:t>30/05/2018</a:t>
+              <a:t>21/06/2018</a:t>
             </a:fld>
             <a:endParaRPr lang="es-ES"/>
           </a:p>
@@ -1171,7 +1171,7 @@
           <a:p>
             <a:fld id="{EABE8AA6-12A8-4B45-AB18-A83908A3A2E6}" type="datetimeFigureOut">
               <a:rPr lang="es-ES" smtClean="0"/>
-              <a:t>30/05/2018</a:t>
+              <a:t>21/06/2018</a:t>
             </a:fld>
             <a:endParaRPr lang="es-ES"/>
           </a:p>
@@ -1374,7 +1374,7 @@
           <a:p>
             <a:fld id="{EABE8AA6-12A8-4B45-AB18-A83908A3A2E6}" type="datetimeFigureOut">
               <a:rPr lang="es-ES" smtClean="0"/>
-              <a:t>30/05/2018</a:t>
+              <a:t>21/06/2018</a:t>
             </a:fld>
             <a:endParaRPr lang="es-ES"/>
           </a:p>
@@ -1544,7 +1544,7 @@
           <a:p>
             <a:fld id="{EABE8AA6-12A8-4B45-AB18-A83908A3A2E6}" type="datetimeFigureOut">
               <a:rPr lang="es-ES" smtClean="0"/>
-              <a:t>30/05/2018</a:t>
+              <a:t>21/06/2018</a:t>
             </a:fld>
             <a:endParaRPr lang="es-ES"/>
           </a:p>
@@ -1795,7 +1795,7 @@
           <a:p>
             <a:fld id="{EABE8AA6-12A8-4B45-AB18-A83908A3A2E6}" type="datetimeFigureOut">
               <a:rPr lang="es-ES" smtClean="0"/>
-              <a:t>30/05/2018</a:t>
+              <a:t>21/06/2018</a:t>
             </a:fld>
             <a:endParaRPr lang="es-ES"/>
           </a:p>
@@ -2027,7 +2027,7 @@
           <a:p>
             <a:fld id="{EABE8AA6-12A8-4B45-AB18-A83908A3A2E6}" type="datetimeFigureOut">
               <a:rPr lang="es-ES" smtClean="0"/>
-              <a:t>30/05/2018</a:t>
+              <a:t>21/06/2018</a:t>
             </a:fld>
             <a:endParaRPr lang="es-ES"/>
           </a:p>
@@ -2374,7 +2374,7 @@
           <a:p>
             <a:fld id="{EABE8AA6-12A8-4B45-AB18-A83908A3A2E6}" type="datetimeFigureOut">
               <a:rPr lang="es-ES" smtClean="0"/>
-              <a:t>30/05/2018</a:t>
+              <a:t>21/06/2018</a:t>
             </a:fld>
             <a:endParaRPr lang="es-ES"/>
           </a:p>
@@ -2492,7 +2492,7 @@
           <a:p>
             <a:fld id="{73D7E00A-486F-4252-8B1D-E32645521F49}" type="datetime1">
               <a:rPr lang="en-US" smtClean="0"/>
-              <a:t>5/30/2018</a:t>
+              <a:t>6/21/2018</a:t>
             </a:fld>
             <a:endParaRPr lang="en-US"/>
           </a:p>
@@ -2610,7 +2610,7 @@
           <a:p>
             <a:fld id="{EABE8AA6-12A8-4B45-AB18-A83908A3A2E6}" type="datetimeFigureOut">
               <a:rPr lang="es-ES" smtClean="0"/>
-              <a:t>30/05/2018</a:t>
+              <a:t>21/06/2018</a:t>
             </a:fld>
             <a:endParaRPr lang="es-ES"/>
           </a:p>
@@ -2894,7 +2894,7 @@
           <a:p>
             <a:fld id="{EABE8AA6-12A8-4B45-AB18-A83908A3A2E6}" type="datetimeFigureOut">
               <a:rPr lang="es-ES" smtClean="0"/>
-              <a:t>30/05/2018</a:t>
+              <a:t>21/06/2018</a:t>
             </a:fld>
             <a:endParaRPr lang="es-ES"/>
           </a:p>
@@ -3064,7 +3064,7 @@
           <a:p>
             <a:fld id="{EABE8AA6-12A8-4B45-AB18-A83908A3A2E6}" type="datetimeFigureOut">
               <a:rPr lang="es-ES" smtClean="0"/>
-              <a:t>30/05/2018</a:t>
+              <a:t>21/06/2018</a:t>
             </a:fld>
             <a:endParaRPr lang="es-ES"/>
           </a:p>
@@ -3328,7 +3328,7 @@
           <a:p>
             <a:fld id="{EABE8AA6-12A8-4B45-AB18-A83908A3A2E6}" type="datetimeFigureOut">
               <a:rPr lang="es-ES" smtClean="0"/>
-              <a:t>30/05/2018</a:t>
+              <a:t>21/06/2018</a:t>
             </a:fld>
             <a:endParaRPr lang="es-ES"/>
           </a:p>
@@ -3498,7 +3498,7 @@
           <a:p>
             <a:fld id="{EABE8AA6-12A8-4B45-AB18-A83908A3A2E6}" type="datetimeFigureOut">
               <a:rPr lang="es-ES" smtClean="0"/>
-              <a:t>30/05/2018</a:t>
+              <a:t>21/06/2018</a:t>
             </a:fld>
             <a:endParaRPr lang="es-ES"/>
           </a:p>
@@ -3678,7 +3678,7 @@
           <a:p>
             <a:fld id="{EABE8AA6-12A8-4B45-AB18-A83908A3A2E6}" type="datetimeFigureOut">
               <a:rPr lang="es-ES" smtClean="0"/>
-              <a:t>30/05/2018</a:t>
+              <a:t>21/06/2018</a:t>
             </a:fld>
             <a:endParaRPr lang="es-ES"/>
           </a:p>
@@ -3870,7 +3870,7 @@
           <a:p>
             <a:fld id="{EABE8AA6-12A8-4B45-AB18-A83908A3A2E6}" type="datetimeFigureOut">
               <a:rPr lang="es-ES" smtClean="0"/>
-              <a:t>30/05/2018</a:t>
+              <a:t>21/06/2018</a:t>
             </a:fld>
             <a:endParaRPr lang="es-ES"/>
           </a:p>
@@ -4131,7 +4131,7 @@
           <a:p>
             <a:fld id="{EABE8AA6-12A8-4B45-AB18-A83908A3A2E6}" type="datetimeFigureOut">
               <a:rPr lang="es-ES" smtClean="0"/>
-              <a:t>30/05/2018</a:t>
+              <a:t>21/06/2018</a:t>
             </a:fld>
             <a:endParaRPr lang="es-ES"/>
           </a:p>
@@ -4522,7 +4522,7 @@
           <a:p>
             <a:fld id="{EABE8AA6-12A8-4B45-AB18-A83908A3A2E6}" type="datetimeFigureOut">
               <a:rPr lang="es-ES" smtClean="0"/>
-              <a:t>30/05/2018</a:t>
+              <a:t>21/06/2018</a:t>
             </a:fld>
             <a:endParaRPr lang="es-ES"/>
           </a:p>
@@ -4810,7 +4810,7 @@
           <a:p>
             <a:fld id="{EABE8AA6-12A8-4B45-AB18-A83908A3A2E6}" type="datetimeFigureOut">
               <a:rPr lang="es-ES" smtClean="0"/>
-              <a:t>30/05/2018</a:t>
+              <a:t>21/06/2018</a:t>
             </a:fld>
             <a:endParaRPr lang="es-ES"/>
           </a:p>
@@ -5233,7 +5233,7 @@
           <a:p>
             <a:fld id="{EABE8AA6-12A8-4B45-AB18-A83908A3A2E6}" type="datetimeFigureOut">
               <a:rPr lang="es-ES" smtClean="0"/>
-              <a:t>30/05/2018</a:t>
+              <a:t>21/06/2018</a:t>
             </a:fld>
             <a:endParaRPr lang="es-ES"/>
           </a:p>
@@ -5351,7 +5351,7 @@
           <a:p>
             <a:fld id="{73D7E00A-486F-4252-8B1D-E32645521F49}" type="datetime1">
               <a:rPr lang="en-US" smtClean="0"/>
-              <a:t>5/30/2018</a:t>
+              <a:t>6/21/2018</a:t>
             </a:fld>
             <a:endParaRPr lang="en-US"/>
           </a:p>
@@ -5446,7 +5446,7 @@
           <a:p>
             <a:fld id="{EABE8AA6-12A8-4B45-AB18-A83908A3A2E6}" type="datetimeFigureOut">
               <a:rPr lang="es-ES" smtClean="0"/>
-              <a:t>30/05/2018</a:t>
+              <a:t>21/06/2018</a:t>
             </a:fld>
             <a:endParaRPr lang="es-ES"/>
           </a:p>
@@ -5697,7 +5697,7 @@
           <a:p>
             <a:fld id="{EABE8AA6-12A8-4B45-AB18-A83908A3A2E6}" type="datetimeFigureOut">
               <a:rPr lang="es-ES" smtClean="0"/>
-              <a:t>30/05/2018</a:t>
+              <a:t>21/06/2018</a:t>
             </a:fld>
             <a:endParaRPr lang="es-ES"/>
           </a:p>
@@ -5974,7 +5974,7 @@
           <a:p>
             <a:fld id="{EABE8AA6-12A8-4B45-AB18-A83908A3A2E6}" type="datetimeFigureOut">
               <a:rPr lang="es-ES" smtClean="0"/>
-              <a:t>30/05/2018</a:t>
+              <a:t>21/06/2018</a:t>
             </a:fld>
             <a:endParaRPr lang="es-ES"/>
           </a:p>
@@ -6231,7 +6231,7 @@
           <a:p>
             <a:fld id="{EABE8AA6-12A8-4B45-AB18-A83908A3A2E6}" type="datetimeFigureOut">
               <a:rPr lang="es-ES" smtClean="0"/>
-              <a:t>30/05/2018</a:t>
+              <a:t>21/06/2018</a:t>
             </a:fld>
             <a:endParaRPr lang="es-ES"/>
           </a:p>
@@ -6401,7 +6401,7 @@
           <a:p>
             <a:fld id="{EABE8AA6-12A8-4B45-AB18-A83908A3A2E6}" type="datetimeFigureOut">
               <a:rPr lang="es-ES" smtClean="0"/>
-              <a:t>30/05/2018</a:t>
+              <a:t>21/06/2018</a:t>
             </a:fld>
             <a:endParaRPr lang="es-ES"/>
           </a:p>
@@ -6581,7 +6581,7 @@
           <a:p>
             <a:fld id="{EABE8AA6-12A8-4B45-AB18-A83908A3A2E6}" type="datetimeFigureOut">
               <a:rPr lang="es-ES" smtClean="0"/>
-              <a:t>30/05/2018</a:t>
+              <a:t>21/06/2018</a:t>
             </a:fld>
             <a:endParaRPr lang="es-ES"/>
           </a:p>
@@ -7121,7 +7121,7 @@
           <a:p>
             <a:fld id="{EABE8AA6-12A8-4B45-AB18-A83908A3A2E6}" type="datetimeFigureOut">
               <a:rPr lang="es-ES" smtClean="0"/>
-              <a:t>30/05/2018</a:t>
+              <a:t>21/06/2018</a:t>
             </a:fld>
             <a:endParaRPr lang="es-ES"/>
           </a:p>
@@ -7468,7 +7468,7 @@
           <a:p>
             <a:fld id="{EABE8AA6-12A8-4B45-AB18-A83908A3A2E6}" type="datetimeFigureOut">
               <a:rPr lang="es-ES" smtClean="0"/>
-              <a:t>30/05/2018</a:t>
+              <a:t>21/06/2018</a:t>
             </a:fld>
             <a:endParaRPr lang="es-ES"/>
           </a:p>
@@ -7586,7 +7586,7 @@
           <a:p>
             <a:fld id="{73D7E00A-486F-4252-8B1D-E32645521F49}" type="datetime1">
               <a:rPr lang="en-US" smtClean="0"/>
-              <a:t>5/30/2018</a:t>
+              <a:t>6/21/2018</a:t>
             </a:fld>
             <a:endParaRPr lang="en-US"/>
           </a:p>
@@ -8024,7 +8024,7 @@
           <a:p>
             <a:fld id="{EABE8AA6-12A8-4B45-AB18-A83908A3A2E6}" type="datetimeFigureOut">
               <a:rPr lang="es-ES" smtClean="0"/>
-              <a:t>30/05/2018</a:t>
+              <a:t>21/06/2018</a:t>
             </a:fld>
             <a:endParaRPr lang="es-ES"/>
           </a:p>
@@ -8288,7 +8288,7 @@
           <a:p>
             <a:fld id="{EABE8AA6-12A8-4B45-AB18-A83908A3A2E6}" type="datetimeFigureOut">
               <a:rPr lang="es-ES" smtClean="0"/>
-              <a:t>30/05/2018</a:t>
+              <a:t>21/06/2018</a:t>
             </a:fld>
             <a:endParaRPr lang="es-ES"/>
           </a:p>
@@ -8502,7 +8502,7 @@
           <a:p>
             <a:fld id="{5586B75A-687E-405C-8A0B-8D00578BA2C3}" type="datetime1">
               <a:rPr lang="en-US" smtClean="0"/>
-              <a:t>5/30/2018</a:t>
+              <a:t>6/21/2018</a:t>
             </a:fld>
             <a:endParaRPr lang="en-US"/>
           </a:p>
@@ -9032,7 +9032,7 @@
           <a:p>
             <a:fld id="{5586B75A-687E-405C-8A0B-8D00578BA2C3}" type="datetime1">
               <a:rPr lang="en-US" smtClean="0"/>
-              <a:t>5/30/2018</a:t>
+              <a:t>6/21/2018</a:t>
             </a:fld>
             <a:endParaRPr lang="en-US"/>
           </a:p>
@@ -9561,7 +9561,7 @@
           <a:p>
             <a:fld id="{5586B75A-687E-405C-8A0B-8D00578BA2C3}" type="datetime1">
               <a:rPr lang="en-US" smtClean="0"/>
-              <a:t>5/30/2018</a:t>
+              <a:t>6/21/2018</a:t>
             </a:fld>
             <a:endParaRPr lang="en-US"/>
           </a:p>
@@ -10271,14 +10271,7 @@
           <a:p>
             <a:r>
               <a:rPr lang="es-CR" dirty="0"/>
-              <a:t>Diseño de Aplicaciones Web</a:t>
-            </a:r>
-            <a:br>
-              <a:rPr lang="es-CR" dirty="0"/>
-            </a:br>
-            <a:r>
-              <a:rPr lang="es-CR" dirty="0"/>
-              <a:t>ISW­-512</a:t>
+              <a:t>Diseño Web</a:t>
             </a:r>
           </a:p>
         </p:txBody>
